--- a/presentation/Classification model for subreddit flair suggestion.pptx
+++ b/presentation/Classification model for subreddit flair suggestion.pptx
@@ -5,7 +5,7 @@
     <p:sldMasterId id="2147483750" r:id="rId1"/>
   </p:sldMasterIdLst>
   <p:notesMasterIdLst>
-    <p:notesMasterId r:id="rId12"/>
+    <p:notesMasterId r:id="rId13"/>
   </p:notesMasterIdLst>
   <p:sldIdLst>
     <p:sldId id="256" r:id="rId2"/>
@@ -18,6 +18,7 @@
     <p:sldId id="263" r:id="rId9"/>
     <p:sldId id="264" r:id="rId10"/>
     <p:sldId id="265" r:id="rId11"/>
+    <p:sldId id="266" r:id="rId12"/>
   </p:sldIdLst>
   <p:sldSz cx="12192000" cy="6858000"/>
   <p:notesSz cx="6858000" cy="9144000"/>
@@ -206,7 +207,7 @@
           <a:p>
             <a:fld id="{1FD76508-4889-4411-977D-58E81A1C6643}" type="datetimeFigureOut">
               <a:rPr lang="en-US" smtClean="0"/>
-              <a:t>11-Nov-23</a:t>
+              <a:t>13-Nov-23</a:t>
             </a:fld>
             <a:endParaRPr lang="en-US"/>
           </a:p>
@@ -1146,7 +1147,7 @@
           <a:p>
             <a:fld id="{D27BAA31-1C59-41C1-ABAD-F0A7D7714A31}" type="datetimeFigureOut">
               <a:rPr lang="en-US" smtClean="0"/>
-              <a:t>11-Nov-23</a:t>
+              <a:t>13-Nov-23</a:t>
             </a:fld>
             <a:endParaRPr lang="en-US"/>
           </a:p>
@@ -1316,7 +1317,7 @@
           <a:p>
             <a:fld id="{D27BAA31-1C59-41C1-ABAD-F0A7D7714A31}" type="datetimeFigureOut">
               <a:rPr lang="en-US" smtClean="0"/>
-              <a:t>11-Nov-23</a:t>
+              <a:t>13-Nov-23</a:t>
             </a:fld>
             <a:endParaRPr lang="en-US"/>
           </a:p>
@@ -1496,7 +1497,7 @@
           <a:p>
             <a:fld id="{D27BAA31-1C59-41C1-ABAD-F0A7D7714A31}" type="datetimeFigureOut">
               <a:rPr lang="en-US" smtClean="0"/>
-              <a:t>11-Nov-23</a:t>
+              <a:t>13-Nov-23</a:t>
             </a:fld>
             <a:endParaRPr lang="en-US"/>
           </a:p>
@@ -1666,7 +1667,7 @@
           <a:p>
             <a:fld id="{D27BAA31-1C59-41C1-ABAD-F0A7D7714A31}" type="datetimeFigureOut">
               <a:rPr lang="en-US" smtClean="0"/>
-              <a:t>11-Nov-23</a:t>
+              <a:t>13-Nov-23</a:t>
             </a:fld>
             <a:endParaRPr lang="en-US"/>
           </a:p>
@@ -1934,7 +1935,7 @@
           <a:p>
             <a:fld id="{D27BAA31-1C59-41C1-ABAD-F0A7D7714A31}" type="datetimeFigureOut">
               <a:rPr lang="en-US" smtClean="0"/>
-              <a:t>11-Nov-23</a:t>
+              <a:t>13-Nov-23</a:t>
             </a:fld>
             <a:endParaRPr lang="en-US"/>
           </a:p>
@@ -2166,7 +2167,7 @@
           <a:p>
             <a:fld id="{D27BAA31-1C59-41C1-ABAD-F0A7D7714A31}" type="datetimeFigureOut">
               <a:rPr lang="en-US" smtClean="0"/>
-              <a:t>11-Nov-23</a:t>
+              <a:t>13-Nov-23</a:t>
             </a:fld>
             <a:endParaRPr lang="en-US"/>
           </a:p>
@@ -2525,7 +2526,7 @@
           <a:p>
             <a:fld id="{D27BAA31-1C59-41C1-ABAD-F0A7D7714A31}" type="datetimeFigureOut">
               <a:rPr lang="en-US" smtClean="0"/>
-              <a:t>11-Nov-23</a:t>
+              <a:t>13-Nov-23</a:t>
             </a:fld>
             <a:endParaRPr lang="en-US"/>
           </a:p>
@@ -2666,7 +2667,7 @@
           <a:p>
             <a:fld id="{D27BAA31-1C59-41C1-ABAD-F0A7D7714A31}" type="datetimeFigureOut">
               <a:rPr lang="en-US" smtClean="0"/>
-              <a:t>11-Nov-23</a:t>
+              <a:t>13-Nov-23</a:t>
             </a:fld>
             <a:endParaRPr lang="en-US"/>
           </a:p>
@@ -2761,7 +2762,7 @@
           <a:p>
             <a:fld id="{D27BAA31-1C59-41C1-ABAD-F0A7D7714A31}" type="datetimeFigureOut">
               <a:rPr lang="en-US" smtClean="0"/>
-              <a:t>11-Nov-23</a:t>
+              <a:t>13-Nov-23</a:t>
             </a:fld>
             <a:endParaRPr lang="en-US"/>
           </a:p>
@@ -3118,7 +3119,7 @@
           <a:p>
             <a:fld id="{D27BAA31-1C59-41C1-ABAD-F0A7D7714A31}" type="datetimeFigureOut">
               <a:rPr lang="en-US" smtClean="0"/>
-              <a:t>11-Nov-23</a:t>
+              <a:t>13-Nov-23</a:t>
             </a:fld>
             <a:endParaRPr lang="en-US"/>
           </a:p>
@@ -3475,7 +3476,7 @@
           <a:p>
             <a:fld id="{D27BAA31-1C59-41C1-ABAD-F0A7D7714A31}" type="datetimeFigureOut">
               <a:rPr lang="en-US" smtClean="0"/>
-              <a:t>11-Nov-23</a:t>
+              <a:t>13-Nov-23</a:t>
             </a:fld>
             <a:endParaRPr lang="en-US"/>
           </a:p>
@@ -3717,7 +3718,7 @@
           <a:p>
             <a:fld id="{D27BAA31-1C59-41C1-ABAD-F0A7D7714A31}" type="datetimeFigureOut">
               <a:rPr lang="en-US" smtClean="0"/>
-              <a:t>11-Nov-23</a:t>
+              <a:t>13-Nov-23</a:t>
             </a:fld>
             <a:endParaRPr lang="en-US"/>
           </a:p>
@@ -4459,6 +4460,113 @@
     <p:extLst>
       <p:ext uri="{BB962C8B-B14F-4D97-AF65-F5344CB8AC3E}">
         <p14:creationId xmlns:p14="http://schemas.microsoft.com/office/powerpoint/2010/main" val="452896010"/>
+      </p:ext>
+    </p:extLst>
+  </p:cSld>
+  <p:clrMapOvr>
+    <a:masterClrMapping/>
+  </p:clrMapOvr>
+</p:sld>
+</file>
+
+<file path=ppt/slides/slide11.xml><?xml version="1.0" encoding="utf-8"?>
+<p:sld xmlns:a="http://schemas.openxmlformats.org/drawingml/2006/main" xmlns:r="http://schemas.openxmlformats.org/officeDocument/2006/relationships" xmlns:p="http://schemas.openxmlformats.org/presentationml/2006/main">
+  <p:cSld>
+    <p:spTree>
+      <p:nvGrpSpPr>
+        <p:cNvPr id="1" name=""/>
+        <p:cNvGrpSpPr/>
+        <p:nvPr/>
+      </p:nvGrpSpPr>
+      <p:grpSpPr>
+        <a:xfrm>
+          <a:off x="0" y="0"/>
+          <a:ext cx="0" cy="0"/>
+          <a:chOff x="0" y="0"/>
+          <a:chExt cx="0" cy="0"/>
+        </a:xfrm>
+      </p:grpSpPr>
+      <p:sp>
+        <p:nvSpPr>
+          <p:cNvPr id="5" name="Title 4">
+            <a:extLst>
+              <a:ext uri="{FF2B5EF4-FFF2-40B4-BE49-F238E27FC236}">
+                <a16:creationId xmlns:a16="http://schemas.microsoft.com/office/drawing/2014/main" id="{1D92FB24-F738-09A6-3BD3-DDABA8033733}"/>
+              </a:ext>
+            </a:extLst>
+          </p:cNvPr>
+          <p:cNvSpPr>
+            <a:spLocks noGrp="1"/>
+          </p:cNvSpPr>
+          <p:nvPr>
+            <p:ph type="title"/>
+          </p:nvPr>
+        </p:nvSpPr>
+        <p:spPr/>
+        <p:txBody>
+          <a:bodyPr/>
+          <a:lstStyle/>
+          <a:p>
+            <a:r>
+              <a:rPr lang="en-US" dirty="0"/>
+              <a:t>Limitations</a:t>
+            </a:r>
+          </a:p>
+        </p:txBody>
+      </p:sp>
+      <p:sp>
+        <p:nvSpPr>
+          <p:cNvPr id="6" name="Content Placeholder 5">
+            <a:extLst>
+              <a:ext uri="{FF2B5EF4-FFF2-40B4-BE49-F238E27FC236}">
+                <a16:creationId xmlns:a16="http://schemas.microsoft.com/office/drawing/2014/main" id="{7B368ADA-324E-20D8-D2F9-138EB84C34B3}"/>
+              </a:ext>
+            </a:extLst>
+          </p:cNvPr>
+          <p:cNvSpPr>
+            <a:spLocks noGrp="1"/>
+          </p:cNvSpPr>
+          <p:nvPr>
+            <p:ph idx="1"/>
+          </p:nvPr>
+        </p:nvSpPr>
+        <p:spPr/>
+        <p:txBody>
+          <a:bodyPr/>
+          <a:lstStyle/>
+          <a:p>
+            <a:r>
+              <a:rPr lang="en-US" dirty="0"/>
+              <a:t>The model is trained on only one subreddit, it will not work with the other subreddit. To create model for another subreddit, we may have to process the data from other subreddit differently.</a:t>
+            </a:r>
+          </a:p>
+          <a:p>
+            <a:endParaRPr lang="en-US" dirty="0"/>
+          </a:p>
+          <a:p>
+            <a:r>
+              <a:rPr lang="en-US" dirty="0"/>
+              <a:t>The model will perform worse on tag (flair) with many off-topic posts.</a:t>
+            </a:r>
+          </a:p>
+          <a:p>
+            <a:endParaRPr lang="en-US" dirty="0"/>
+          </a:p>
+          <a:p>
+            <a:r>
+              <a:rPr lang="en-US" dirty="0"/>
+              <a:t>To maintain the performance of tag suggestion, the model need to be retrain periodically as posts in subreddit should be continuously growing with a little bit different of language used. </a:t>
+            </a:r>
+          </a:p>
+          <a:p>
+            <a:endParaRPr lang="en-US" dirty="0"/>
+          </a:p>
+        </p:txBody>
+      </p:sp>
+    </p:spTree>
+    <p:extLst>
+      <p:ext uri="{BB962C8B-B14F-4D97-AF65-F5344CB8AC3E}">
+        <p14:creationId xmlns:p14="http://schemas.microsoft.com/office/powerpoint/2010/main" val="4141476524"/>
       </p:ext>
     </p:extLst>
   </p:cSld>
@@ -8155,7 +8263,7 @@
           <p:nvPr>
             <p:extLst>
               <p:ext uri="{D42A27DB-BD31-4B8C-83A1-F6EECF244321}">
-                <p14:modId xmlns:p14="http://schemas.microsoft.com/office/powerpoint/2010/main" val="4229880095"/>
+                <p14:modId xmlns:p14="http://schemas.microsoft.com/office/powerpoint/2010/main" val="307036147"/>
               </p:ext>
             </p:extLst>
           </p:nvPr>

--- a/presentation/Classification model for subreddit flair suggestion.pptx
+++ b/presentation/Classification model for subreddit flair suggestion.pptx
@@ -4374,12 +4374,56 @@
           </a:p>
         </p:txBody>
       </p:sp>
+      <p:sp>
+        <p:nvSpPr>
+          <p:cNvPr id="9" name="TextBox 8">
+            <a:extLst>
+              <a:ext uri="{FF2B5EF4-FFF2-40B4-BE49-F238E27FC236}">
+                <a16:creationId xmlns:a16="http://schemas.microsoft.com/office/drawing/2014/main" id="{09FA266F-D475-C8CE-6F29-2A1E9087E486}"/>
+              </a:ext>
+            </a:extLst>
+          </p:cNvPr>
+          <p:cNvSpPr txBox="1"/>
+          <p:nvPr/>
+        </p:nvSpPr>
+        <p:spPr>
+          <a:xfrm>
+            <a:off x="6333271" y="5784567"/>
+            <a:ext cx="5469959" cy="738664"/>
+          </a:xfrm>
+          <a:prstGeom prst="rect">
+            <a:avLst/>
+          </a:prstGeom>
+          <a:noFill/>
+        </p:spPr>
+        <p:txBody>
+          <a:bodyPr wrap="none" rtlCol="0">
+            <a:spAutoFit/>
+          </a:bodyPr>
+          <a:lstStyle/>
+          <a:p>
+            <a:r>
+              <a:rPr lang="en-US" sz="1400" dirty="0"/>
+              <a:t>Confident percentage and number of suggested tags can also be adjusted</a:t>
+            </a:r>
+          </a:p>
+          <a:p>
+            <a:r>
+              <a:rPr lang="en-US" sz="1400" dirty="0"/>
+              <a:t>to achieve even better result.</a:t>
+            </a:r>
+          </a:p>
+          <a:p>
+            <a:endParaRPr lang="en-US" sz="1400" dirty="0"/>
+          </a:p>
+        </p:txBody>
+      </p:sp>
       <p:pic>
         <p:nvPicPr>
-          <p:cNvPr id="6" name="Picture 5">
+          <p:cNvPr id="4" name="Picture 3">
             <a:extLst>
               <a:ext uri="{FF2B5EF4-FFF2-40B4-BE49-F238E27FC236}">
-                <a16:creationId xmlns:a16="http://schemas.microsoft.com/office/drawing/2014/main" id="{2593F084-381F-F939-E81E-CC4AB8468E47}"/>
+                <a16:creationId xmlns:a16="http://schemas.microsoft.com/office/drawing/2014/main" id="{6B4FABA9-17AF-217F-B642-17C9170D8AE7}"/>
               </a:ext>
             </a:extLst>
           </p:cNvPr>
@@ -4396,8 +4440,8 @@
         </p:blipFill>
         <p:spPr>
           <a:xfrm>
-            <a:off x="6333271" y="634981"/>
-            <a:ext cx="5621458" cy="5164291"/>
+            <a:off x="6333271" y="786844"/>
+            <a:ext cx="5597315" cy="4933715"/>
           </a:xfrm>
           <a:prstGeom prst="rect">
             <a:avLst/>
@@ -4412,50 +4456,6 @@
           </a:ln>
         </p:spPr>
       </p:pic>
-      <p:sp>
-        <p:nvSpPr>
-          <p:cNvPr id="9" name="TextBox 8">
-            <a:extLst>
-              <a:ext uri="{FF2B5EF4-FFF2-40B4-BE49-F238E27FC236}">
-                <a16:creationId xmlns:a16="http://schemas.microsoft.com/office/drawing/2014/main" id="{09FA266F-D475-C8CE-6F29-2A1E9087E486}"/>
-              </a:ext>
-            </a:extLst>
-          </p:cNvPr>
-          <p:cNvSpPr txBox="1"/>
-          <p:nvPr/>
-        </p:nvSpPr>
-        <p:spPr>
-          <a:xfrm>
-            <a:off x="6333271" y="5931746"/>
-            <a:ext cx="5469959" cy="738664"/>
-          </a:xfrm>
-          <a:prstGeom prst="rect">
-            <a:avLst/>
-          </a:prstGeom>
-          <a:noFill/>
-        </p:spPr>
-        <p:txBody>
-          <a:bodyPr wrap="none" rtlCol="0">
-            <a:spAutoFit/>
-          </a:bodyPr>
-          <a:lstStyle/>
-          <a:p>
-            <a:r>
-              <a:rPr lang="en-US" sz="1400" dirty="0"/>
-              <a:t>Confident percentage and number of suggested tags can also be adjusted</a:t>
-            </a:r>
-          </a:p>
-          <a:p>
-            <a:r>
-              <a:rPr lang="en-US" sz="1400" dirty="0"/>
-              <a:t>to achieve even better result.</a:t>
-            </a:r>
-          </a:p>
-          <a:p>
-            <a:endParaRPr lang="en-US" sz="1400" dirty="0"/>
-          </a:p>
-        </p:txBody>
-      </p:sp>
     </p:spTree>
     <p:extLst>
       <p:ext uri="{BB962C8B-B14F-4D97-AF65-F5344CB8AC3E}">

--- a/presentation/Classification model for subreddit flair suggestion.pptx
+++ b/presentation/Classification model for subreddit flair suggestion.pptx
@@ -8014,7 +8014,7 @@
           </p:nvSpPr>
           <p:spPr>
             <a:xfrm>
-              <a:off x="4784861" y="4524787"/>
+              <a:off x="4766573" y="4506499"/>
               <a:ext cx="457200" cy="457200"/>
             </a:xfrm>
             <a:prstGeom prst="rect">
